--- a/Presentation.pptx
+++ b/Presentation.pptx
@@ -8,7 +8,8 @@
     <p:sldId id="256" r:id="rId2"/>
     <p:sldId id="265" r:id="rId3"/>
     <p:sldId id="267" r:id="rId4"/>
-    <p:sldId id="266" r:id="rId5"/>
+    <p:sldId id="268" r:id="rId5"/>
+    <p:sldId id="266" r:id="rId6"/>
   </p:sldIdLst>
   <p:sldSz cx="12192000" cy="6858000"/>
   <p:notesSz cx="6858000" cy="9144000"/>
@@ -466,7 +467,7 @@
             <a:fld id="{5923F103-BC34-4FE4-A40E-EDDEECFDA5D0}" type="datetimeFigureOut">
               <a:rPr lang="en-US" dirty="0"/>
               <a:pPr/>
-              <a:t>3/9/2020</a:t>
+              <a:t>3/11/2020</a:t>
             </a:fld>
             <a:endParaRPr lang="en-US"/>
           </a:p>
@@ -565,7 +566,7 @@
             <a:fld id="{D57F1E4F-1CFF-5643-939E-217C01CDF565}" type="slidenum">
               <a:rPr lang="en-US" dirty="0"/>
               <a:pPr/>
-              <a:t>‹#›</a:t>
+              <a:t>‹N°›</a:t>
             </a:fld>
             <a:endParaRPr lang="en-US"/>
           </a:p>
@@ -1551,7 +1552,7 @@
           <a:p>
             <a:fld id="{923A1CC3-2375-41D4-9E03-427CAF2A4C1A}" type="datetimeFigureOut">
               <a:rPr lang="en-US" dirty="0"/>
-              <a:t>3/9/2020</a:t>
+              <a:t>3/11/2020</a:t>
             </a:fld>
             <a:endParaRPr lang="en-US"/>
           </a:p>
@@ -1630,7 +1631,7 @@
             <a:fld id="{D57F1E4F-1CFF-5643-939E-217C01CDF565}" type="slidenum">
               <a:rPr lang="en-US" dirty="0"/>
               <a:pPr/>
-              <a:t>‹#›</a:t>
+              <a:t>‹N°›</a:t>
             </a:fld>
             <a:endParaRPr lang="en-US"/>
           </a:p>
@@ -2529,7 +2530,7 @@
           <a:p>
             <a:fld id="{AFF16868-8199-4C2C-A5B1-63AEE139F88E}" type="datetimeFigureOut">
               <a:rPr lang="en-US" dirty="0"/>
-              <a:t>3/9/2020</a:t>
+              <a:t>3/11/2020</a:t>
             </a:fld>
             <a:endParaRPr lang="en-US"/>
           </a:p>
@@ -2608,7 +2609,7 @@
             <a:fld id="{D57F1E4F-1CFF-5643-939E-217C01CDF565}" type="slidenum">
               <a:rPr lang="en-US" dirty="0"/>
               <a:pPr/>
-              <a:t>‹#›</a:t>
+              <a:t>‹N°›</a:t>
             </a:fld>
             <a:endParaRPr lang="en-US"/>
           </a:p>
@@ -3661,7 +3662,7 @@
           <a:p>
             <a:fld id="{AAD9FF7F-6988-44CC-821B-644E70CD2F73}" type="datetimeFigureOut">
               <a:rPr lang="en-US" dirty="0"/>
-              <a:t>3/9/2020</a:t>
+              <a:t>3/11/2020</a:t>
             </a:fld>
             <a:endParaRPr lang="en-US"/>
           </a:p>
@@ -3740,7 +3741,7 @@
             <a:fld id="{D57F1E4F-1CFF-5643-939E-217C01CDF565}" type="slidenum">
               <a:rPr lang="en-US" dirty="0"/>
               <a:pPr/>
-              <a:t>‹#›</a:t>
+              <a:t>‹N°›</a:t>
             </a:fld>
             <a:endParaRPr lang="en-US"/>
           </a:p>
@@ -4692,7 +4693,7 @@
           <a:p>
             <a:fld id="{5C12C299-16B2-4475-990D-751901EACC14}" type="datetimeFigureOut">
               <a:rPr lang="en-US" dirty="0"/>
-              <a:t>3/9/2020</a:t>
+              <a:t>3/11/2020</a:t>
             </a:fld>
             <a:endParaRPr lang="en-US"/>
           </a:p>
@@ -4771,7 +4772,7 @@
             <a:fld id="{D57F1E4F-1CFF-5643-939E-217C01CDF565}" type="slidenum">
               <a:rPr lang="en-US" dirty="0"/>
               <a:pPr/>
-              <a:t>‹#›</a:t>
+              <a:t>‹N°›</a:t>
             </a:fld>
             <a:endParaRPr lang="en-US"/>
           </a:p>
@@ -5350,7 +5351,7 @@
           <a:p>
             <a:fld id="{9FE86839-B9D8-4651-8783-F325ECE74E65}" type="datetimeFigureOut">
               <a:rPr lang="en-US" dirty="0"/>
-              <a:t>3/9/2020</a:t>
+              <a:t>3/11/2020</a:t>
             </a:fld>
             <a:endParaRPr lang="en-US"/>
           </a:p>
@@ -5393,7 +5394,7 @@
             <a:fld id="{D57F1E4F-1CFF-5643-939E-217C01CDF565}" type="slidenum">
               <a:rPr lang="en-US" dirty="0"/>
               <a:pPr/>
-              <a:t>‹#›</a:t>
+              <a:t>‹N°›</a:t>
             </a:fld>
             <a:endParaRPr lang="en-US"/>
           </a:p>
@@ -6206,7 +6207,7 @@
           <a:p>
             <a:fld id="{FD484F64-32F6-45C5-931F-ADC1662401D0}" type="datetimeFigureOut">
               <a:rPr lang="en-US" dirty="0"/>
-              <a:t>3/9/2020</a:t>
+              <a:t>3/11/2020</a:t>
             </a:fld>
             <a:endParaRPr lang="en-US"/>
           </a:p>
@@ -6254,7 +6255,7 @@
             <a:fld id="{D57F1E4F-1CFF-5643-939E-217C01CDF565}" type="slidenum">
               <a:rPr lang="en-US" dirty="0"/>
               <a:pPr/>
-              <a:t>‹#›</a:t>
+              <a:t>‹N°›</a:t>
             </a:fld>
             <a:endParaRPr lang="en-US"/>
           </a:p>
@@ -6393,7 +6394,7 @@
           <a:p>
             <a:fld id="{53086D93-FCAC-47E0-A2EE-787E62CA814C}" type="datetimeFigureOut">
               <a:rPr lang="en-US" dirty="0"/>
-              <a:t>3/9/2020</a:t>
+              <a:t>3/11/2020</a:t>
             </a:fld>
             <a:endParaRPr lang="en-US"/>
           </a:p>
@@ -6436,7 +6437,7 @@
             <a:fld id="{D57F1E4F-1CFF-5643-939E-217C01CDF565}" type="slidenum">
               <a:rPr lang="en-US" dirty="0"/>
               <a:pPr/>
-              <a:t>‹#›</a:t>
+              <a:t>‹N°›</a:t>
             </a:fld>
             <a:endParaRPr lang="en-US"/>
           </a:p>
@@ -7362,7 +7363,7 @@
           <a:p>
             <a:fld id="{CDA879A6-0FD0-4734-A311-86BFCA472E6E}" type="datetimeFigureOut">
               <a:rPr lang="en-US" dirty="0"/>
-              <a:t>3/9/2020</a:t>
+              <a:t>3/11/2020</a:t>
             </a:fld>
             <a:endParaRPr lang="en-US"/>
           </a:p>
@@ -7441,7 +7442,7 @@
             <a:fld id="{D57F1E4F-1CFF-5643-939E-217C01CDF565}" type="slidenum">
               <a:rPr lang="en-US" dirty="0"/>
               <a:pPr/>
-              <a:t>‹#›</a:t>
+              <a:t>‹N°›</a:t>
             </a:fld>
             <a:endParaRPr lang="en-US"/>
           </a:p>
@@ -7570,7 +7571,7 @@
           <a:p>
             <a:fld id="{19C9CA7B-DFD4-44B5-8C60-D14B8CD1FB59}" type="datetimeFigureOut">
               <a:rPr lang="en-US" dirty="0"/>
-              <a:t>3/9/2020</a:t>
+              <a:t>3/11/2020</a:t>
             </a:fld>
             <a:endParaRPr lang="en-US"/>
           </a:p>
@@ -7613,7 +7614,7 @@
             <a:fld id="{D57F1E4F-1CFF-5643-939E-217C01CDF565}" type="slidenum">
               <a:rPr lang="en-US" dirty="0"/>
               <a:pPr/>
-              <a:t>‹#›</a:t>
+              <a:t>‹N°›</a:t>
             </a:fld>
             <a:endParaRPr lang="en-US"/>
           </a:p>
@@ -8602,7 +8603,7 @@
           <a:p>
             <a:fld id="{F34E6425-0181-43F2-84FC-787E803FD2F8}" type="datetimeFigureOut">
               <a:rPr lang="en-US" dirty="0"/>
-              <a:t>3/9/2020</a:t>
+              <a:t>3/11/2020</a:t>
             </a:fld>
             <a:endParaRPr lang="en-US"/>
           </a:p>
@@ -8681,7 +8682,7 @@
             <a:fld id="{D57F1E4F-1CFF-5643-939E-217C01CDF565}" type="slidenum">
               <a:rPr lang="en-US" dirty="0"/>
               <a:pPr/>
-              <a:t>‹#›</a:t>
+              <a:t>‹N°›</a:t>
             </a:fld>
             <a:endParaRPr lang="en-US"/>
           </a:p>
@@ -8870,7 +8871,7 @@
           <a:p>
             <a:fld id="{3BDB8791-F1B0-41E7-B7FD-A781E65C4266}" type="datetimeFigureOut">
               <a:rPr lang="en-US" dirty="0"/>
-              <a:t>3/9/2020</a:t>
+              <a:t>3/11/2020</a:t>
             </a:fld>
             <a:endParaRPr lang="en-US"/>
           </a:p>
@@ -8913,7 +8914,7 @@
             <a:fld id="{D57F1E4F-1CFF-5643-939E-217C01CDF565}" type="slidenum">
               <a:rPr lang="en-US" dirty="0"/>
               <a:pPr/>
-              <a:t>‹#›</a:t>
+              <a:t>‹N°›</a:t>
             </a:fld>
             <a:endParaRPr lang="en-US"/>
           </a:p>
@@ -9276,7 +9277,7 @@
           <a:p>
             <a:fld id="{5FDD63B2-E120-4ED8-B27B-C685F510A5FE}" type="datetimeFigureOut">
               <a:rPr lang="en-US" dirty="0"/>
-              <a:t>3/9/2020</a:t>
+              <a:t>3/11/2020</a:t>
             </a:fld>
             <a:endParaRPr lang="en-US"/>
           </a:p>
@@ -9319,7 +9320,7 @@
             <a:fld id="{D57F1E4F-1CFF-5643-939E-217C01CDF565}" type="slidenum">
               <a:rPr lang="en-US" dirty="0"/>
               <a:pPr/>
-              <a:t>‹#›</a:t>
+              <a:t>‹N°›</a:t>
             </a:fld>
             <a:endParaRPr lang="en-US"/>
           </a:p>
@@ -9401,7 +9402,7 @@
           <a:p>
             <a:fld id="{7AA18ACC-A947-437B-A130-35BD54FDF1E9}" type="datetimeFigureOut">
               <a:rPr lang="en-US" dirty="0"/>
-              <a:t>3/9/2020</a:t>
+              <a:t>3/11/2020</a:t>
             </a:fld>
             <a:endParaRPr lang="en-US"/>
           </a:p>
@@ -9444,7 +9445,7 @@
             <a:fld id="{D57F1E4F-1CFF-5643-939E-217C01CDF565}" type="slidenum">
               <a:rPr lang="en-US" dirty="0"/>
               <a:pPr/>
-              <a:t>‹#›</a:t>
+              <a:t>‹N°›</a:t>
             </a:fld>
             <a:endParaRPr lang="en-US"/>
           </a:p>
@@ -9495,7 +9496,7 @@
           <a:p>
             <a:fld id="{7C8D7E02-BCB8-4D50-A234-369438C08659}" type="datetimeFigureOut">
               <a:rPr lang="en-US" dirty="0"/>
-              <a:t>3/9/2020</a:t>
+              <a:t>3/11/2020</a:t>
             </a:fld>
             <a:endParaRPr lang="en-US"/>
           </a:p>
@@ -9574,7 +9575,7 @@
             <a:fld id="{D57F1E4F-1CFF-5643-939E-217C01CDF565}" type="slidenum">
               <a:rPr lang="en-US" dirty="0"/>
               <a:pPr/>
-              <a:t>‹#›</a:t>
+              <a:t>‹N°›</a:t>
             </a:fld>
             <a:endParaRPr lang="en-US"/>
           </a:p>
@@ -10573,7 +10574,7 @@
           <a:p>
             <a:fld id="{76E86A4C-8E40-4F87-A4F0-01A0687C5742}" type="datetimeFigureOut">
               <a:rPr lang="en-US" dirty="0"/>
-              <a:t>3/9/2020</a:t>
+              <a:t>3/11/2020</a:t>
             </a:fld>
             <a:endParaRPr lang="en-US"/>
           </a:p>
@@ -10652,7 +10653,7 @@
             <a:fld id="{D57F1E4F-1CFF-5643-939E-217C01CDF565}" type="slidenum">
               <a:rPr lang="en-US" dirty="0"/>
               <a:pPr/>
-              <a:t>‹#›</a:t>
+              <a:t>‹N°›</a:t>
             </a:fld>
             <a:endParaRPr lang="en-US"/>
           </a:p>
@@ -11678,7 +11679,7 @@
           <a:p>
             <a:fld id="{35E72C73-2D91-4E12-BA25-F0AA0C03599B}" type="datetimeFigureOut">
               <a:rPr lang="en-US" dirty="0"/>
-              <a:t>3/9/2020</a:t>
+              <a:t>3/11/2020</a:t>
             </a:fld>
             <a:endParaRPr lang="en-US"/>
           </a:p>
@@ -11757,7 +11758,7 @@
             <a:fld id="{D57F1E4F-1CFF-5643-939E-217C01CDF565}" type="slidenum">
               <a:rPr lang="en-US" dirty="0"/>
               <a:pPr/>
-              <a:t>‹#›</a:t>
+              <a:t>‹N°›</a:t>
             </a:fld>
             <a:endParaRPr lang="en-US"/>
           </a:p>
@@ -12672,7 +12673,7 @@
           <a:p>
             <a:fld id="{2BE451C3-0FF4-47C4-B829-773ADF60F88C}" type="datetimeFigureOut">
               <a:rPr lang="en-US" dirty="0"/>
-              <a:t>3/9/2020</a:t>
+              <a:t>3/11/2020</a:t>
             </a:fld>
             <a:endParaRPr lang="en-US"/>
           </a:p>
@@ -12783,7 +12784,7 @@
             <a:fld id="{D57F1E4F-1CFF-5643-939E-217C01CDF565}" type="slidenum">
               <a:rPr lang="en-US" dirty="0"/>
               <a:pPr/>
-              <a:t>‹#›</a:t>
+              <a:t>‹N°›</a:t>
             </a:fld>
             <a:endParaRPr lang="en-US"/>
           </a:p>
@@ -13781,7 +13782,7 @@
         <p:spPr>
           <a:xfrm>
             <a:off x="927505" y="3394263"/>
-            <a:ext cx="4446593" cy="1502893"/>
+            <a:ext cx="4577556" cy="1502893"/>
           </a:xfrm>
         </p:spPr>
         <p:txBody>
@@ -13817,7 +13818,7 @@
               <a:rPr lang="en-US" dirty="0" err="1"/>
               <a:t>pyhton</a:t>
             </a:r>
-            <a:endParaRPr lang="en-US"/>
+            <a:endParaRPr lang="en-US" dirty="0"/>
           </a:p>
           <a:p>
             <a:pPr marL="0" indent="0">
@@ -13825,7 +13826,7 @@
             </a:pPr>
             <a:r>
               <a:rPr lang="en-US" dirty="0"/>
-              <a:t>- Faire un bot,</a:t>
+              <a:t>- Faire un bot</a:t>
             </a:r>
           </a:p>
           <a:p>
@@ -13838,7 +13839,7 @@
             </a:r>
             <a:r>
               <a:rPr lang="en-US" dirty="0" err="1"/>
-              <a:t>gagner</a:t>
+              <a:t>Gagner</a:t>
             </a:r>
             <a:r>
               <a:rPr lang="en-US" dirty="0"/>
@@ -15342,6 +15343,599 @@
 </file>
 
 <file path=ppt/slides/slide4.xml><?xml version="1.0" encoding="utf-8"?>
+<p:sld xmlns:a="http://schemas.openxmlformats.org/drawingml/2006/main" xmlns:r="http://schemas.openxmlformats.org/officeDocument/2006/relationships" xmlns:p="http://schemas.openxmlformats.org/presentationml/2006/main">
+  <p:cSld>
+    <p:spTree>
+      <p:nvGrpSpPr>
+        <p:cNvPr id="1" name=""/>
+        <p:cNvGrpSpPr/>
+        <p:nvPr/>
+      </p:nvGrpSpPr>
+      <p:grpSpPr>
+        <a:xfrm>
+          <a:off x="0" y="0"/>
+          <a:ext cx="0" cy="0"/>
+          <a:chOff x="0" y="0"/>
+          <a:chExt cx="0" cy="0"/>
+        </a:xfrm>
+      </p:grpSpPr>
+      <p:sp>
+        <p:nvSpPr>
+          <p:cNvPr id="2" name="Title 1">
+            <a:extLst>
+              <a:ext uri="{FF2B5EF4-FFF2-40B4-BE49-F238E27FC236}">
+                <a16:creationId xmlns:a16="http://schemas.microsoft.com/office/drawing/2014/main" id="{6FEBD6EA-9CCD-4AA1-8474-04D43577C9F4}"/>
+              </a:ext>
+            </a:extLst>
+          </p:cNvPr>
+          <p:cNvSpPr>
+            <a:spLocks noGrp="1"/>
+          </p:cNvSpPr>
+          <p:nvPr>
+            <p:ph type="title"/>
+          </p:nvPr>
+        </p:nvSpPr>
+        <p:spPr/>
+        <p:txBody>
+          <a:bodyPr/>
+          <a:lstStyle/>
+          <a:p>
+            <a:r>
+              <a:rPr lang="en-US" dirty="0" err="1"/>
+              <a:t>Démonstration</a:t>
+            </a:r>
+            <a:r>
+              <a:rPr lang="en-US" dirty="0"/>
+              <a:t> du bot</a:t>
+            </a:r>
+          </a:p>
+        </p:txBody>
+      </p:sp>
+      <p:sp>
+        <p:nvSpPr>
+          <p:cNvPr id="3" name="Content Placeholder 2">
+            <a:extLst>
+              <a:ext uri="{FF2B5EF4-FFF2-40B4-BE49-F238E27FC236}">
+                <a16:creationId xmlns:a16="http://schemas.microsoft.com/office/drawing/2014/main" id="{D3F27FDC-C9AE-4EC6-B2AD-92D7AEC075F4}"/>
+              </a:ext>
+            </a:extLst>
+          </p:cNvPr>
+          <p:cNvSpPr>
+            <a:spLocks noGrp="1"/>
+          </p:cNvSpPr>
+          <p:nvPr>
+            <p:ph idx="1"/>
+          </p:nvPr>
+        </p:nvSpPr>
+        <p:spPr>
+          <a:xfrm>
+            <a:off x="927505" y="3394263"/>
+            <a:ext cx="10026634" cy="1756235"/>
+          </a:xfrm>
+        </p:spPr>
+        <p:txBody>
+          <a:bodyPr vert="horz" lIns="91440" tIns="45720" rIns="91440" bIns="45720" rtlCol="0" anchor="t">
+            <a:normAutofit/>
+          </a:bodyPr>
+          <a:lstStyle/>
+          <a:p>
+            <a:pPr marL="0" indent="0" algn="ctr">
+              <a:buNone/>
+            </a:pPr>
+            <a:r>
+              <a:rPr lang="en-US" sz="3600" dirty="0"/>
+              <a:t>Petite demo d’un bot un </a:t>
+            </a:r>
+            <a:r>
+              <a:rPr lang="en-US" sz="3600" dirty="0" err="1"/>
+              <a:t>peu</a:t>
+            </a:r>
+            <a:r>
+              <a:rPr lang="en-US" sz="3600" dirty="0"/>
+              <a:t> plus </a:t>
+            </a:r>
+            <a:r>
+              <a:rPr lang="en-US" sz="3600" dirty="0" err="1"/>
+              <a:t>abouti</a:t>
+            </a:r>
+            <a:r>
+              <a:rPr lang="en-US" sz="3600" dirty="0"/>
+              <a:t> que </a:t>
+            </a:r>
+            <a:r>
+              <a:rPr lang="en-US" sz="3600" dirty="0" err="1"/>
+              <a:t>ce</a:t>
+            </a:r>
+            <a:r>
+              <a:rPr lang="en-US" sz="3600" dirty="0"/>
+              <a:t> que </a:t>
+            </a:r>
+            <a:r>
+              <a:rPr lang="en-US" sz="3600" dirty="0" err="1"/>
+              <a:t>vous</a:t>
+            </a:r>
+            <a:r>
+              <a:rPr lang="en-US" sz="3600" dirty="0"/>
+              <a:t> </a:t>
+            </a:r>
+            <a:r>
+              <a:rPr lang="en-US" sz="3600" dirty="0" err="1"/>
+              <a:t>réaliserez</a:t>
+            </a:r>
+            <a:r>
+              <a:rPr lang="en-US" sz="3600" dirty="0"/>
+              <a:t> pendant </a:t>
+            </a:r>
+            <a:r>
+              <a:rPr lang="en-US" sz="3600" dirty="0" err="1"/>
+              <a:t>ce</a:t>
+            </a:r>
+            <a:r>
+              <a:rPr lang="en-US" sz="3600" dirty="0"/>
+              <a:t> Workshop</a:t>
+            </a:r>
+          </a:p>
+        </p:txBody>
+      </p:sp>
+      <p:sp>
+        <p:nvSpPr>
+          <p:cNvPr id="5" name="TextBox 4">
+            <a:extLst>
+              <a:ext uri="{FF2B5EF4-FFF2-40B4-BE49-F238E27FC236}">
+                <a16:creationId xmlns:a16="http://schemas.microsoft.com/office/drawing/2014/main" id="{ED7E2C14-2141-4CDC-9ACD-67E379FEB9A8}"/>
+              </a:ext>
+            </a:extLst>
+          </p:cNvPr>
+          <p:cNvSpPr txBox="1"/>
+          <p:nvPr/>
+        </p:nvSpPr>
+        <p:spPr>
+          <a:xfrm>
+            <a:off x="10629900" y="424542"/>
+            <a:ext cx="529771" cy="369332"/>
+          </a:xfrm>
+          <a:prstGeom prst="rect">
+            <a:avLst/>
+          </a:prstGeom>
+          <a:noFill/>
+        </p:spPr>
+        <p:txBody>
+          <a:bodyPr rot="0" spcFirstLastPara="0" vert="horz" wrap="square" lIns="91440" tIns="45720" rIns="91440" bIns="45720" numCol="1" spcCol="0" rtlCol="0" fromWordArt="0" anchor="t" anchorCtr="0" forceAA="0" compatLnSpc="1">
+            <a:prstTxWarp prst="textNoShape">
+              <a:avLst/>
+            </a:prstTxWarp>
+            <a:spAutoFit/>
+          </a:bodyPr>
+          <a:lstStyle>
+            <a:defPPr>
+              <a:defRPr lang="de-DE"/>
+            </a:defPPr>
+            <a:lvl1pPr marL="0" algn="l" defTabSz="914400" rtl="0" eaLnBrk="1" latinLnBrk="0" hangingPunct="1">
+              <a:defRPr sz="1800" kern="1200">
+                <a:solidFill>
+                  <a:schemeClr val="tx1"/>
+                </a:solidFill>
+                <a:latin typeface="+mn-lt"/>
+                <a:ea typeface="+mn-ea"/>
+                <a:cs typeface="+mn-cs"/>
+              </a:defRPr>
+            </a:lvl1pPr>
+            <a:lvl2pPr marL="457200" algn="l" defTabSz="914400" rtl="0" eaLnBrk="1" latinLnBrk="0" hangingPunct="1">
+              <a:defRPr sz="1800" kern="1200">
+                <a:solidFill>
+                  <a:schemeClr val="tx1"/>
+                </a:solidFill>
+                <a:latin typeface="+mn-lt"/>
+                <a:ea typeface="+mn-ea"/>
+                <a:cs typeface="+mn-cs"/>
+              </a:defRPr>
+            </a:lvl2pPr>
+            <a:lvl3pPr marL="914400" algn="l" defTabSz="914400" rtl="0" eaLnBrk="1" latinLnBrk="0" hangingPunct="1">
+              <a:defRPr sz="1800" kern="1200">
+                <a:solidFill>
+                  <a:schemeClr val="tx1"/>
+                </a:solidFill>
+                <a:latin typeface="+mn-lt"/>
+                <a:ea typeface="+mn-ea"/>
+                <a:cs typeface="+mn-cs"/>
+              </a:defRPr>
+            </a:lvl3pPr>
+            <a:lvl4pPr marL="1371600" algn="l" defTabSz="914400" rtl="0" eaLnBrk="1" latinLnBrk="0" hangingPunct="1">
+              <a:defRPr sz="1800" kern="1200">
+                <a:solidFill>
+                  <a:schemeClr val="tx1"/>
+                </a:solidFill>
+                <a:latin typeface="+mn-lt"/>
+                <a:ea typeface="+mn-ea"/>
+                <a:cs typeface="+mn-cs"/>
+              </a:defRPr>
+            </a:lvl4pPr>
+            <a:lvl5pPr marL="1828800" algn="l" defTabSz="914400" rtl="0" eaLnBrk="1" latinLnBrk="0" hangingPunct="1">
+              <a:defRPr sz="1800" kern="1200">
+                <a:solidFill>
+                  <a:schemeClr val="tx1"/>
+                </a:solidFill>
+                <a:latin typeface="+mn-lt"/>
+                <a:ea typeface="+mn-ea"/>
+                <a:cs typeface="+mn-cs"/>
+              </a:defRPr>
+            </a:lvl5pPr>
+            <a:lvl6pPr marL="2286000" algn="l" defTabSz="914400" rtl="0" eaLnBrk="1" latinLnBrk="0" hangingPunct="1">
+              <a:defRPr sz="1800" kern="1200">
+                <a:solidFill>
+                  <a:schemeClr val="tx1"/>
+                </a:solidFill>
+                <a:latin typeface="+mn-lt"/>
+                <a:ea typeface="+mn-ea"/>
+                <a:cs typeface="+mn-cs"/>
+              </a:defRPr>
+            </a:lvl6pPr>
+            <a:lvl7pPr marL="2743200" algn="l" defTabSz="914400" rtl="0" eaLnBrk="1" latinLnBrk="0" hangingPunct="1">
+              <a:defRPr sz="1800" kern="1200">
+                <a:solidFill>
+                  <a:schemeClr val="tx1"/>
+                </a:solidFill>
+                <a:latin typeface="+mn-lt"/>
+                <a:ea typeface="+mn-ea"/>
+                <a:cs typeface="+mn-cs"/>
+              </a:defRPr>
+            </a:lvl7pPr>
+            <a:lvl8pPr marL="3200400" algn="l" defTabSz="914400" rtl="0" eaLnBrk="1" latinLnBrk="0" hangingPunct="1">
+              <a:defRPr sz="1800" kern="1200">
+                <a:solidFill>
+                  <a:schemeClr val="tx1"/>
+                </a:solidFill>
+                <a:latin typeface="+mn-lt"/>
+                <a:ea typeface="+mn-ea"/>
+                <a:cs typeface="+mn-cs"/>
+              </a:defRPr>
+            </a:lvl8pPr>
+            <a:lvl9pPr marL="3657600" algn="l" defTabSz="914400" rtl="0" eaLnBrk="1" latinLnBrk="0" hangingPunct="1">
+              <a:defRPr sz="1800" kern="1200">
+                <a:solidFill>
+                  <a:schemeClr val="tx1"/>
+                </a:solidFill>
+                <a:latin typeface="+mn-lt"/>
+                <a:ea typeface="+mn-ea"/>
+                <a:cs typeface="+mn-cs"/>
+              </a:defRPr>
+            </a:lvl9pPr>
+          </a:lstStyle>
+          <a:p>
+            <a:pPr algn="l"/>
+            <a:r>
+              <a:rPr lang="en-US" dirty="0"/>
+              <a:t>2</a:t>
+            </a:r>
+          </a:p>
+        </p:txBody>
+      </p:sp>
+      <p:pic>
+        <p:nvPicPr>
+          <p:cNvPr id="4" name="Picture 4" descr="A picture containing object, clock, black, orange&#10;&#10;Description generated with very high confidence">
+            <a:extLst>
+              <a:ext uri="{FF2B5EF4-FFF2-40B4-BE49-F238E27FC236}">
+                <a16:creationId xmlns:a16="http://schemas.microsoft.com/office/drawing/2014/main" id="{782AA3CB-FCA9-4A60-B336-9194AC62E268}"/>
+              </a:ext>
+            </a:extLst>
+          </p:cNvPr>
+          <p:cNvPicPr>
+            <a:picLocks noChangeAspect="1"/>
+          </p:cNvPicPr>
+          <p:nvPr/>
+        </p:nvPicPr>
+        <p:blipFill>
+          <a:blip r:embed="rId2"/>
+          <a:stretch>
+            <a:fillRect/>
+          </a:stretch>
+        </p:blipFill>
+        <p:spPr>
+          <a:xfrm>
+            <a:off x="10013723" y="6021387"/>
+            <a:ext cx="1762125" cy="657225"/>
+          </a:xfrm>
+          <a:prstGeom prst="rect">
+            <a:avLst/>
+          </a:prstGeom>
+        </p:spPr>
+      </p:pic>
+      <p:sp>
+        <p:nvSpPr>
+          <p:cNvPr id="8" name="Subtitle 2">
+            <a:extLst>
+              <a:ext uri="{FF2B5EF4-FFF2-40B4-BE49-F238E27FC236}">
+                <a16:creationId xmlns:a16="http://schemas.microsoft.com/office/drawing/2014/main" id="{D6CDC42A-5102-4466-AFE9-22644D72024A}"/>
+              </a:ext>
+            </a:extLst>
+          </p:cNvPr>
+          <p:cNvSpPr txBox="1">
+            <a:spLocks/>
+          </p:cNvSpPr>
+          <p:nvPr/>
+        </p:nvSpPr>
+        <p:spPr bwMode="gray">
+          <a:xfrm>
+            <a:off x="-1087502" y="6390279"/>
+            <a:ext cx="7047658" cy="562063"/>
+          </a:xfrm>
+          <a:prstGeom prst="rect">
+            <a:avLst/>
+          </a:prstGeom>
+        </p:spPr>
+        <p:txBody>
+          <a:bodyPr vert="horz" lIns="91440" tIns="45720" rIns="91440" bIns="45720" rtlCol="0" anchor="t">
+            <a:normAutofit/>
+          </a:bodyPr>
+          <a:lstStyle>
+            <a:lvl1pPr marL="0" indent="0" algn="l" defTabSz="457200" rtl="0" eaLnBrk="1" latinLnBrk="0" hangingPunct="1">
+              <a:spcBef>
+                <a:spcPts val="1000"/>
+              </a:spcBef>
+              <a:spcAft>
+                <a:spcPts val="0"/>
+              </a:spcAft>
+              <a:buClr>
+                <a:schemeClr val="accent1"/>
+              </a:buClr>
+              <a:buSzPct val="80000"/>
+              <a:buFont typeface="Wingdings 3" charset="2"/>
+              <a:buNone/>
+              <a:defRPr sz="1800" b="0" i="0" kern="1200" cap="all">
+                <a:solidFill>
+                  <a:schemeClr val="accent1">
+                    <a:lumMod val="60000"/>
+                    <a:lumOff val="40000"/>
+                  </a:schemeClr>
+                </a:solidFill>
+                <a:latin typeface="+mn-lt"/>
+                <a:ea typeface="+mn-ea"/>
+                <a:cs typeface="+mn-cs"/>
+              </a:defRPr>
+            </a:lvl1pPr>
+            <a:lvl2pPr marL="457200" indent="0" algn="ctr" defTabSz="457200" rtl="0" eaLnBrk="1" latinLnBrk="0" hangingPunct="1">
+              <a:spcBef>
+                <a:spcPts val="1000"/>
+              </a:spcBef>
+              <a:spcAft>
+                <a:spcPts val="0"/>
+              </a:spcAft>
+              <a:buClr>
+                <a:schemeClr val="accent1"/>
+              </a:buClr>
+              <a:buSzPct val="80000"/>
+              <a:buFont typeface="Wingdings 3" charset="2"/>
+              <a:buNone/>
+              <a:defRPr sz="1600" b="0" i="0" kern="1200">
+                <a:solidFill>
+                  <a:schemeClr val="tx1">
+                    <a:tint val="75000"/>
+                  </a:schemeClr>
+                </a:solidFill>
+                <a:latin typeface="+mn-lt"/>
+                <a:ea typeface="+mn-ea"/>
+                <a:cs typeface="+mn-cs"/>
+              </a:defRPr>
+            </a:lvl2pPr>
+            <a:lvl3pPr marL="914400" indent="0" algn="ctr" defTabSz="457200" rtl="0" eaLnBrk="1" latinLnBrk="0" hangingPunct="1">
+              <a:spcBef>
+                <a:spcPts val="1000"/>
+              </a:spcBef>
+              <a:spcAft>
+                <a:spcPts val="0"/>
+              </a:spcAft>
+              <a:buClr>
+                <a:schemeClr val="accent1"/>
+              </a:buClr>
+              <a:buSzPct val="80000"/>
+              <a:buFont typeface="Wingdings 3" charset="2"/>
+              <a:buNone/>
+              <a:defRPr sz="1400" b="0" i="0" kern="1200">
+                <a:solidFill>
+                  <a:schemeClr val="tx1">
+                    <a:tint val="75000"/>
+                  </a:schemeClr>
+                </a:solidFill>
+                <a:latin typeface="+mn-lt"/>
+                <a:ea typeface="+mn-ea"/>
+                <a:cs typeface="+mn-cs"/>
+              </a:defRPr>
+            </a:lvl3pPr>
+            <a:lvl4pPr marL="1371600" indent="0" algn="ctr" defTabSz="457200" rtl="0" eaLnBrk="1" latinLnBrk="0" hangingPunct="1">
+              <a:spcBef>
+                <a:spcPts val="1000"/>
+              </a:spcBef>
+              <a:spcAft>
+                <a:spcPts val="0"/>
+              </a:spcAft>
+              <a:buClr>
+                <a:schemeClr val="accent1"/>
+              </a:buClr>
+              <a:buSzPct val="80000"/>
+              <a:buFont typeface="Wingdings 3" charset="2"/>
+              <a:buNone/>
+              <a:defRPr sz="1200" b="0" i="0" kern="1200">
+                <a:solidFill>
+                  <a:schemeClr val="tx1">
+                    <a:tint val="75000"/>
+                  </a:schemeClr>
+                </a:solidFill>
+                <a:latin typeface="+mn-lt"/>
+                <a:ea typeface="+mn-ea"/>
+                <a:cs typeface="+mn-cs"/>
+              </a:defRPr>
+            </a:lvl4pPr>
+            <a:lvl5pPr marL="1828800" indent="0" algn="ctr" defTabSz="457200" rtl="0" eaLnBrk="1" latinLnBrk="0" hangingPunct="1">
+              <a:spcBef>
+                <a:spcPts val="1000"/>
+              </a:spcBef>
+              <a:spcAft>
+                <a:spcPts val="0"/>
+              </a:spcAft>
+              <a:buClr>
+                <a:schemeClr val="accent1"/>
+              </a:buClr>
+              <a:buSzPct val="80000"/>
+              <a:buFont typeface="Wingdings 3" charset="2"/>
+              <a:buNone/>
+              <a:defRPr sz="1200" b="0" i="0" kern="1200">
+                <a:solidFill>
+                  <a:schemeClr val="tx1">
+                    <a:tint val="75000"/>
+                  </a:schemeClr>
+                </a:solidFill>
+                <a:latin typeface="+mn-lt"/>
+                <a:ea typeface="+mn-ea"/>
+                <a:cs typeface="+mn-cs"/>
+              </a:defRPr>
+            </a:lvl5pPr>
+            <a:lvl6pPr marL="2286000" indent="0" algn="ctr" defTabSz="457200" rtl="0" eaLnBrk="1" latinLnBrk="0" hangingPunct="1">
+              <a:spcBef>
+                <a:spcPts val="1000"/>
+              </a:spcBef>
+              <a:spcAft>
+                <a:spcPts val="0"/>
+              </a:spcAft>
+              <a:buClr>
+                <a:schemeClr val="accent1"/>
+              </a:buClr>
+              <a:buSzPct val="80000"/>
+              <a:buFont typeface="Wingdings 3" charset="2"/>
+              <a:buNone/>
+              <a:defRPr sz="1200" b="0" i="0" kern="1200">
+                <a:solidFill>
+                  <a:schemeClr val="tx1">
+                    <a:tint val="75000"/>
+                  </a:schemeClr>
+                </a:solidFill>
+                <a:latin typeface="+mn-lt"/>
+                <a:ea typeface="+mn-ea"/>
+                <a:cs typeface="+mn-cs"/>
+              </a:defRPr>
+            </a:lvl6pPr>
+            <a:lvl7pPr marL="2743200" indent="0" algn="ctr" defTabSz="457200" rtl="0" eaLnBrk="1" latinLnBrk="0" hangingPunct="1">
+              <a:spcBef>
+                <a:spcPts val="1000"/>
+              </a:spcBef>
+              <a:spcAft>
+                <a:spcPts val="0"/>
+              </a:spcAft>
+              <a:buClr>
+                <a:schemeClr val="accent1"/>
+              </a:buClr>
+              <a:buSzPct val="80000"/>
+              <a:buFont typeface="Wingdings 3" charset="2"/>
+              <a:buNone/>
+              <a:defRPr sz="1200" b="0" i="0" kern="1200">
+                <a:solidFill>
+                  <a:schemeClr val="tx1">
+                    <a:tint val="75000"/>
+                  </a:schemeClr>
+                </a:solidFill>
+                <a:latin typeface="+mn-lt"/>
+                <a:ea typeface="+mn-ea"/>
+                <a:cs typeface="+mn-cs"/>
+              </a:defRPr>
+            </a:lvl7pPr>
+            <a:lvl8pPr marL="3200400" indent="0" algn="ctr" defTabSz="457200" rtl="0" eaLnBrk="1" latinLnBrk="0" hangingPunct="1">
+              <a:spcBef>
+                <a:spcPts val="1000"/>
+              </a:spcBef>
+              <a:spcAft>
+                <a:spcPts val="0"/>
+              </a:spcAft>
+              <a:buClr>
+                <a:schemeClr val="accent1"/>
+              </a:buClr>
+              <a:buSzPct val="80000"/>
+              <a:buFont typeface="Wingdings 3" charset="2"/>
+              <a:buNone/>
+              <a:defRPr sz="1200" b="0" i="0" kern="1200">
+                <a:solidFill>
+                  <a:schemeClr val="tx1">
+                    <a:tint val="75000"/>
+                  </a:schemeClr>
+                </a:solidFill>
+                <a:latin typeface="+mn-lt"/>
+                <a:ea typeface="+mn-ea"/>
+                <a:cs typeface="+mn-cs"/>
+              </a:defRPr>
+            </a:lvl8pPr>
+            <a:lvl9pPr marL="3657600" indent="0" algn="ctr" defTabSz="457200" rtl="0" eaLnBrk="1" latinLnBrk="0" hangingPunct="1">
+              <a:spcBef>
+                <a:spcPts val="1000"/>
+              </a:spcBef>
+              <a:spcAft>
+                <a:spcPts val="0"/>
+              </a:spcAft>
+              <a:buClr>
+                <a:schemeClr val="accent1"/>
+              </a:buClr>
+              <a:buSzPct val="80000"/>
+              <a:buFont typeface="Wingdings 3" charset="2"/>
+              <a:buNone/>
+              <a:defRPr sz="1200" b="0" i="0" kern="1200">
+                <a:solidFill>
+                  <a:schemeClr val="tx1">
+                    <a:tint val="75000"/>
+                  </a:schemeClr>
+                </a:solidFill>
+                <a:latin typeface="+mn-lt"/>
+                <a:ea typeface="+mn-ea"/>
+                <a:cs typeface="+mn-cs"/>
+              </a:defRPr>
+            </a:lvl9pPr>
+          </a:lstStyle>
+          <a:p>
+            <a:pPr algn="ctr"/>
+            <a:r>
+              <a:rPr lang="en-US" sz="1400" dirty="0"/>
+              <a:t>Par </a:t>
+            </a:r>
+            <a:r>
+              <a:rPr lang="en-US" sz="1400" dirty="0" err="1"/>
+              <a:t>yoan</a:t>
+            </a:r>
+            <a:r>
+              <a:rPr lang="en-US" sz="1400" dirty="0"/>
+              <a:t> saint </a:t>
+            </a:r>
+            <a:r>
+              <a:rPr lang="en-US" sz="1400" dirty="0" err="1"/>
+              <a:t>juste</a:t>
+            </a:r>
+            <a:r>
+              <a:rPr lang="en-US" sz="1400" dirty="0"/>
+              <a:t> et  </a:t>
+            </a:r>
+            <a:r>
+              <a:rPr lang="en-US" sz="1400" dirty="0" err="1"/>
+              <a:t>matthieu</a:t>
+            </a:r>
+            <a:r>
+              <a:rPr lang="en-US" sz="1400" dirty="0"/>
+              <a:t> Kozicki</a:t>
+            </a:r>
+          </a:p>
+        </p:txBody>
+      </p:sp>
+    </p:spTree>
+    <p:extLst>
+      <p:ext uri="{BB962C8B-B14F-4D97-AF65-F5344CB8AC3E}">
+        <p14:creationId xmlns:p14="http://schemas.microsoft.com/office/powerpoint/2010/main" val="3945728094"/>
+      </p:ext>
+    </p:extLst>
+  </p:cSld>
+  <p:clrMapOvr>
+    <a:masterClrMapping/>
+  </p:clrMapOvr>
+  <p:transition spd="slow">
+    <p:randomBar dir="vert"/>
+  </p:transition>
+</p:sld>
+</file>
+
+<file path=ppt/slides/slide5.xml><?xml version="1.0" encoding="utf-8"?>
 <p:sld xmlns:a="http://schemas.openxmlformats.org/drawingml/2006/main" xmlns:r="http://schemas.openxmlformats.org/officeDocument/2006/relationships" xmlns:p="http://schemas.openxmlformats.org/presentationml/2006/main">
   <p:cSld>
     <p:spTree>
